--- a/Day 19/Slides/8. Connecting React to Redux/connecting-react-to-redux-slides.pptx
+++ b/Day 19/Slides/8. Connecting React to Redux/connecting-react-to-redux-slides.pptx
@@ -4295,7 +4295,7 @@
         </p:blipFill>
         <p:spPr>
           <a:xfrm>
-            <a:off x="5108447" y="657428"/>
+            <a:off x="4952872" y="686003"/>
             <a:ext cx="2149982" cy="548944"/>
           </a:xfrm>
           <a:prstGeom prst="rect">
